--- a/BlackBerry, SMS y 3G.pptx
+++ b/BlackBerry, SMS y 3G.pptx
@@ -24,6 +24,7 @@
     <p:sldId id="272" r:id="rId18"/>
     <p:sldId id="273" r:id="rId19"/>
     <p:sldId id="274" r:id="rId20"/>
+    <p:sldId id="275" r:id="rId21"/>
   </p:sldIdLst>
   <p:sldSz cx="9144000" cy="6858000" type="screen4x3"/>
   <p:notesSz cx="6858000" cy="9144000"/>
@@ -236,7 +237,7 @@
           <a:p>
             <a:fld id="{456B51EB-B35E-4DA7-961E-18E5D911FA0C}" type="datetimeFigureOut">
               <a:rPr lang="es-MX" smtClean="0"/>
-              <a:t>23/04/2015</a:t>
+              <a:t>21/05/2015</a:t>
             </a:fld>
             <a:endParaRPr lang="es-MX"/>
           </a:p>
@@ -462,7 +463,7 @@
           <a:p>
             <a:fld id="{456B51EB-B35E-4DA7-961E-18E5D911FA0C}" type="datetimeFigureOut">
               <a:rPr lang="es-MX" smtClean="0"/>
-              <a:t>23/04/2015</a:t>
+              <a:t>21/05/2015</a:t>
             </a:fld>
             <a:endParaRPr lang="es-MX"/>
           </a:p>
@@ -637,7 +638,7 @@
           <a:p>
             <a:fld id="{456B51EB-B35E-4DA7-961E-18E5D911FA0C}" type="datetimeFigureOut">
               <a:rPr lang="es-MX" smtClean="0"/>
-              <a:t>23/04/2015</a:t>
+              <a:t>21/05/2015</a:t>
             </a:fld>
             <a:endParaRPr lang="es-MX"/>
           </a:p>
@@ -802,7 +803,7 @@
           <a:p>
             <a:fld id="{456B51EB-B35E-4DA7-961E-18E5D911FA0C}" type="datetimeFigureOut">
               <a:rPr lang="es-MX" smtClean="0"/>
-              <a:t>23/04/2015</a:t>
+              <a:t>21/05/2015</a:t>
             </a:fld>
             <a:endParaRPr lang="es-MX"/>
           </a:p>
@@ -1046,7 +1047,7 @@
           <a:p>
             <a:fld id="{456B51EB-B35E-4DA7-961E-18E5D911FA0C}" type="datetimeFigureOut">
               <a:rPr lang="es-MX" smtClean="0"/>
-              <a:t>23/04/2015</a:t>
+              <a:t>21/05/2015</a:t>
             </a:fld>
             <a:endParaRPr lang="es-MX"/>
           </a:p>
@@ -1310,7 +1311,7 @@
           <a:p>
             <a:fld id="{456B51EB-B35E-4DA7-961E-18E5D911FA0C}" type="datetimeFigureOut">
               <a:rPr lang="es-MX" smtClean="0"/>
-              <a:t>23/04/2015</a:t>
+              <a:t>21/05/2015</a:t>
             </a:fld>
             <a:endParaRPr lang="es-MX"/>
           </a:p>
@@ -1684,7 +1685,7 @@
           <a:p>
             <a:fld id="{456B51EB-B35E-4DA7-961E-18E5D911FA0C}" type="datetimeFigureOut">
               <a:rPr lang="es-MX" smtClean="0"/>
-              <a:t>23/04/2015</a:t>
+              <a:t>21/05/2015</a:t>
             </a:fld>
             <a:endParaRPr lang="es-MX"/>
           </a:p>
@@ -1797,7 +1798,7 @@
           <a:p>
             <a:fld id="{456B51EB-B35E-4DA7-961E-18E5D911FA0C}" type="datetimeFigureOut">
               <a:rPr lang="es-MX" smtClean="0"/>
-              <a:t>23/04/2015</a:t>
+              <a:t>21/05/2015</a:t>
             </a:fld>
             <a:endParaRPr lang="es-MX"/>
           </a:p>
@@ -1887,7 +1888,7 @@
           <a:p>
             <a:fld id="{456B51EB-B35E-4DA7-961E-18E5D911FA0C}" type="datetimeFigureOut">
               <a:rPr lang="es-MX" smtClean="0"/>
-              <a:t>23/04/2015</a:t>
+              <a:t>21/05/2015</a:t>
             </a:fld>
             <a:endParaRPr lang="es-MX"/>
           </a:p>
@@ -2145,7 +2146,7 @@
           <a:p>
             <a:fld id="{456B51EB-B35E-4DA7-961E-18E5D911FA0C}" type="datetimeFigureOut">
               <a:rPr lang="es-MX" smtClean="0"/>
-              <a:t>23/04/2015</a:t>
+              <a:t>21/05/2015</a:t>
             </a:fld>
             <a:endParaRPr lang="es-MX"/>
           </a:p>
@@ -2409,7 +2410,7 @@
           <a:p>
             <a:fld id="{456B51EB-B35E-4DA7-961E-18E5D911FA0C}" type="datetimeFigureOut">
               <a:rPr lang="es-MX" smtClean="0"/>
-              <a:t>23/04/2015</a:t>
+              <a:t>21/05/2015</a:t>
             </a:fld>
             <a:endParaRPr lang="es-MX"/>
           </a:p>
@@ -2626,7 +2627,7 @@
           <a:p>
             <a:fld id="{456B51EB-B35E-4DA7-961E-18E5D911FA0C}" type="datetimeFigureOut">
               <a:rPr lang="es-MX" smtClean="0"/>
-              <a:t>23/04/2015</a:t>
+              <a:t>21/05/2015</a:t>
             </a:fld>
             <a:endParaRPr lang="es-MX"/>
           </a:p>
@@ -4470,6 +4471,74 @@
 </p:sld>
 </file>
 
+<file path=ppt/slides/slide20.xml><?xml version="1.0" encoding="utf-8"?>
+<p:sld xmlns:a="http://schemas.openxmlformats.org/drawingml/2006/main" xmlns:r="http://schemas.openxmlformats.org/officeDocument/2006/relationships" xmlns:p="http://schemas.openxmlformats.org/presentationml/2006/main">
+  <p:cSld>
+    <p:spTree>
+      <p:nvGrpSpPr>
+        <p:cNvPr id="1" name=""/>
+        <p:cNvGrpSpPr/>
+        <p:nvPr/>
+      </p:nvGrpSpPr>
+      <p:grpSpPr>
+        <a:xfrm>
+          <a:off x="0" y="0"/>
+          <a:ext cx="0" cy="0"/>
+          <a:chOff x="0" y="0"/>
+          <a:chExt cx="0" cy="0"/>
+        </a:xfrm>
+      </p:grpSpPr>
+      <p:sp>
+        <p:nvSpPr>
+          <p:cNvPr id="2" name="1 Título"/>
+          <p:cNvSpPr>
+            <a:spLocks noGrp="1"/>
+          </p:cNvSpPr>
+          <p:nvPr>
+            <p:ph type="title"/>
+          </p:nvPr>
+        </p:nvSpPr>
+        <p:spPr>
+          <a:xfrm>
+            <a:off x="457200" y="274638"/>
+            <a:ext cx="8229600" cy="2362274"/>
+          </a:xfrm>
+        </p:spPr>
+        <p:txBody>
+          <a:bodyPr>
+            <a:normAutofit/>
+          </a:bodyPr>
+          <a:lstStyle/>
+          <a:p>
+            <a:r>
+              <a:rPr lang="es-MX" sz="2800" dirty="0" smtClean="0">
+                <a:solidFill>
+                  <a:srgbClr val="FF0000"/>
+                </a:solidFill>
+              </a:rPr>
+              <a:t>Jesús Antonio ramos sauceda:</a:t>
+            </a:r>
+            <a:r>
+              <a:rPr lang="es-MX" sz="2800" dirty="0" smtClean="0"/>
+              <a:t> los temas de tu presentación son muy interesantes, buen trabajo.</a:t>
+            </a:r>
+            <a:endParaRPr lang="es-MX" sz="2800" dirty="0"/>
+          </a:p>
+        </p:txBody>
+      </p:sp>
+    </p:spTree>
+    <p:extLst>
+      <p:ext uri="{BB962C8B-B14F-4D97-AF65-F5344CB8AC3E}">
+        <p14:creationId xmlns:p14="http://schemas.microsoft.com/office/powerpoint/2010/main" val="941245772"/>
+      </p:ext>
+    </p:extLst>
+  </p:cSld>
+  <p:clrMapOvr>
+    <a:masterClrMapping/>
+  </p:clrMapOvr>
+</p:sld>
+</file>
+
 <file path=ppt/slides/slide3.xml><?xml version="1.0" encoding="utf-8"?>
 <p:sld xmlns:a="http://schemas.openxmlformats.org/drawingml/2006/main" xmlns:r="http://schemas.openxmlformats.org/officeDocument/2006/relationships" xmlns:p="http://schemas.openxmlformats.org/presentationml/2006/main">
   <p:cSld>
@@ -4504,11 +4573,7 @@
           <a:p>
             <a:r>
               <a:rPr lang="es-MX" dirty="0" smtClean="0"/>
-              <a:t>CUÁL </a:t>
-            </a:r>
-            <a:r>
-              <a:rPr lang="es-MX" dirty="0" smtClean="0"/>
-              <a:t>FUE SU ATRACTIVO?</a:t>
+              <a:t>CUÁL FUE SU ATRACTIVO?</a:t>
             </a:r>
             <a:endParaRPr lang="es-MX" dirty="0"/>
           </a:p>

--- a/BlackBerry, SMS y 3G.pptx
+++ b/BlackBerry, SMS y 3G.pptx
@@ -237,7 +237,7 @@
           <a:p>
             <a:fld id="{456B51EB-B35E-4DA7-961E-18E5D911FA0C}" type="datetimeFigureOut">
               <a:rPr lang="es-MX" smtClean="0"/>
-              <a:t>21/05/2015</a:t>
+              <a:t>26/05/2015</a:t>
             </a:fld>
             <a:endParaRPr lang="es-MX"/>
           </a:p>
@@ -463,7 +463,7 @@
           <a:p>
             <a:fld id="{456B51EB-B35E-4DA7-961E-18E5D911FA0C}" type="datetimeFigureOut">
               <a:rPr lang="es-MX" smtClean="0"/>
-              <a:t>21/05/2015</a:t>
+              <a:t>26/05/2015</a:t>
             </a:fld>
             <a:endParaRPr lang="es-MX"/>
           </a:p>
@@ -638,7 +638,7 @@
           <a:p>
             <a:fld id="{456B51EB-B35E-4DA7-961E-18E5D911FA0C}" type="datetimeFigureOut">
               <a:rPr lang="es-MX" smtClean="0"/>
-              <a:t>21/05/2015</a:t>
+              <a:t>26/05/2015</a:t>
             </a:fld>
             <a:endParaRPr lang="es-MX"/>
           </a:p>
@@ -803,7 +803,7 @@
           <a:p>
             <a:fld id="{456B51EB-B35E-4DA7-961E-18E5D911FA0C}" type="datetimeFigureOut">
               <a:rPr lang="es-MX" smtClean="0"/>
-              <a:t>21/05/2015</a:t>
+              <a:t>26/05/2015</a:t>
             </a:fld>
             <a:endParaRPr lang="es-MX"/>
           </a:p>
@@ -1047,7 +1047,7 @@
           <a:p>
             <a:fld id="{456B51EB-B35E-4DA7-961E-18E5D911FA0C}" type="datetimeFigureOut">
               <a:rPr lang="es-MX" smtClean="0"/>
-              <a:t>21/05/2015</a:t>
+              <a:t>26/05/2015</a:t>
             </a:fld>
             <a:endParaRPr lang="es-MX"/>
           </a:p>
@@ -1311,7 +1311,7 @@
           <a:p>
             <a:fld id="{456B51EB-B35E-4DA7-961E-18E5D911FA0C}" type="datetimeFigureOut">
               <a:rPr lang="es-MX" smtClean="0"/>
-              <a:t>21/05/2015</a:t>
+              <a:t>26/05/2015</a:t>
             </a:fld>
             <a:endParaRPr lang="es-MX"/>
           </a:p>
@@ -1685,7 +1685,7 @@
           <a:p>
             <a:fld id="{456B51EB-B35E-4DA7-961E-18E5D911FA0C}" type="datetimeFigureOut">
               <a:rPr lang="es-MX" smtClean="0"/>
-              <a:t>21/05/2015</a:t>
+              <a:t>26/05/2015</a:t>
             </a:fld>
             <a:endParaRPr lang="es-MX"/>
           </a:p>
@@ -1798,7 +1798,7 @@
           <a:p>
             <a:fld id="{456B51EB-B35E-4DA7-961E-18E5D911FA0C}" type="datetimeFigureOut">
               <a:rPr lang="es-MX" smtClean="0"/>
-              <a:t>21/05/2015</a:t>
+              <a:t>26/05/2015</a:t>
             </a:fld>
             <a:endParaRPr lang="es-MX"/>
           </a:p>
@@ -1888,7 +1888,7 @@
           <a:p>
             <a:fld id="{456B51EB-B35E-4DA7-961E-18E5D911FA0C}" type="datetimeFigureOut">
               <a:rPr lang="es-MX" smtClean="0"/>
-              <a:t>21/05/2015</a:t>
+              <a:t>26/05/2015</a:t>
             </a:fld>
             <a:endParaRPr lang="es-MX"/>
           </a:p>
@@ -2146,7 +2146,7 @@
           <a:p>
             <a:fld id="{456B51EB-B35E-4DA7-961E-18E5D911FA0C}" type="datetimeFigureOut">
               <a:rPr lang="es-MX" smtClean="0"/>
-              <a:t>21/05/2015</a:t>
+              <a:t>26/05/2015</a:t>
             </a:fld>
             <a:endParaRPr lang="es-MX"/>
           </a:p>
@@ -2410,7 +2410,7 @@
           <a:p>
             <a:fld id="{456B51EB-B35E-4DA7-961E-18E5D911FA0C}" type="datetimeFigureOut">
               <a:rPr lang="es-MX" smtClean="0"/>
-              <a:t>21/05/2015</a:t>
+              <a:t>26/05/2015</a:t>
             </a:fld>
             <a:endParaRPr lang="es-MX"/>
           </a:p>
@@ -2627,7 +2627,7 @@
           <a:p>
             <a:fld id="{456B51EB-B35E-4DA7-961E-18E5D911FA0C}" type="datetimeFigureOut">
               <a:rPr lang="es-MX" smtClean="0"/>
-              <a:t>21/05/2015</a:t>
+              <a:t>26/05/2015</a:t>
             </a:fld>
             <a:endParaRPr lang="es-MX"/>
           </a:p>
@@ -4506,10 +4506,11 @@
         </p:spPr>
         <p:txBody>
           <a:bodyPr>
-            <a:normAutofit/>
+            <a:normAutofit fontScale="90000"/>
           </a:bodyPr>
           <a:lstStyle/>
           <a:p>
+            <a:pPr algn="l"/>
             <a:r>
               <a:rPr lang="es-MX" sz="2800" dirty="0" smtClean="0">
                 <a:solidFill>
@@ -4520,8 +4521,61 @@
             </a:r>
             <a:r>
               <a:rPr lang="es-MX" sz="2800" dirty="0" smtClean="0"/>
-              <a:t> los temas de tu presentación son muy interesantes, buen trabajo.</a:t>
-            </a:r>
+              <a:t> los temas de tu presentación son muy interesantes, buen trabajo</a:t>
+            </a:r>
+            <a:r>
+              <a:rPr lang="es-MX" sz="2800" dirty="0" smtClean="0"/>
+              <a:t>.</a:t>
+            </a:r>
+            <a:br>
+              <a:rPr lang="es-MX" sz="2800" dirty="0" smtClean="0"/>
+            </a:br>
+            <a:r>
+              <a:rPr lang="es-MX" sz="2800" dirty="0" smtClean="0"/>
+              <a:t/>
+            </a:r>
+            <a:br>
+              <a:rPr lang="es-MX" sz="2800" dirty="0" smtClean="0"/>
+            </a:br>
+            <a:r>
+              <a:rPr lang="es-MX" sz="2800" dirty="0" smtClean="0">
+                <a:solidFill>
+                  <a:srgbClr val="FF0000"/>
+                </a:solidFill>
+              </a:rPr>
+              <a:t>Oscar</a:t>
+            </a:r>
+            <a:r>
+              <a:rPr lang="es-MX" sz="2800" dirty="0" smtClean="0">
+                <a:solidFill>
+                  <a:srgbClr val="FF0000"/>
+                </a:solidFill>
+              </a:rPr>
+              <a:t>:</a:t>
+            </a:r>
+            <a:r>
+              <a:rPr lang="es-MX" sz="2800" dirty="0" smtClean="0"/>
+              <a:t> Muy buen tema compañeros.. </a:t>
+            </a:r>
+            <a:r>
+              <a:rPr lang="es-MX" sz="2800" dirty="0" err="1" smtClean="0"/>
+              <a:t>Adelante..les</a:t>
+            </a:r>
+            <a:r>
+              <a:rPr lang="es-MX" sz="2800" dirty="0" smtClean="0"/>
+              <a:t> recomiendo agregar algunas fotos.. </a:t>
+            </a:r>
+            <a:r>
+              <a:rPr lang="es-MX" sz="2800" smtClean="0"/>
+              <a:t>Saludos</a:t>
+            </a:r>
+            <a:r>
+              <a:rPr lang="es-MX" sz="2800" dirty="0"/>
+              <a:t/>
+            </a:r>
+            <a:br>
+              <a:rPr lang="es-MX" sz="2800" dirty="0"/>
+            </a:br>
             <a:endParaRPr lang="es-MX" sz="2800" dirty="0"/>
           </a:p>
         </p:txBody>

--- a/BlackBerry, SMS y 3G.pptx
+++ b/BlackBerry, SMS y 3G.pptx
@@ -237,7 +237,7 @@
           <a:p>
             <a:fld id="{456B51EB-B35E-4DA7-961E-18E5D911FA0C}" type="datetimeFigureOut">
               <a:rPr lang="es-MX" smtClean="0"/>
-              <a:t>26/05/2015</a:t>
+              <a:t>27/05/2015</a:t>
             </a:fld>
             <a:endParaRPr lang="es-MX"/>
           </a:p>
@@ -463,7 +463,7 @@
           <a:p>
             <a:fld id="{456B51EB-B35E-4DA7-961E-18E5D911FA0C}" type="datetimeFigureOut">
               <a:rPr lang="es-MX" smtClean="0"/>
-              <a:t>26/05/2015</a:t>
+              <a:t>27/05/2015</a:t>
             </a:fld>
             <a:endParaRPr lang="es-MX"/>
           </a:p>
@@ -638,7 +638,7 @@
           <a:p>
             <a:fld id="{456B51EB-B35E-4DA7-961E-18E5D911FA0C}" type="datetimeFigureOut">
               <a:rPr lang="es-MX" smtClean="0"/>
-              <a:t>26/05/2015</a:t>
+              <a:t>27/05/2015</a:t>
             </a:fld>
             <a:endParaRPr lang="es-MX"/>
           </a:p>
@@ -803,7 +803,7 @@
           <a:p>
             <a:fld id="{456B51EB-B35E-4DA7-961E-18E5D911FA0C}" type="datetimeFigureOut">
               <a:rPr lang="es-MX" smtClean="0"/>
-              <a:t>26/05/2015</a:t>
+              <a:t>27/05/2015</a:t>
             </a:fld>
             <a:endParaRPr lang="es-MX"/>
           </a:p>
@@ -1047,7 +1047,7 @@
           <a:p>
             <a:fld id="{456B51EB-B35E-4DA7-961E-18E5D911FA0C}" type="datetimeFigureOut">
               <a:rPr lang="es-MX" smtClean="0"/>
-              <a:t>26/05/2015</a:t>
+              <a:t>27/05/2015</a:t>
             </a:fld>
             <a:endParaRPr lang="es-MX"/>
           </a:p>
@@ -1311,7 +1311,7 @@
           <a:p>
             <a:fld id="{456B51EB-B35E-4DA7-961E-18E5D911FA0C}" type="datetimeFigureOut">
               <a:rPr lang="es-MX" smtClean="0"/>
-              <a:t>26/05/2015</a:t>
+              <a:t>27/05/2015</a:t>
             </a:fld>
             <a:endParaRPr lang="es-MX"/>
           </a:p>
@@ -1685,7 +1685,7 @@
           <a:p>
             <a:fld id="{456B51EB-B35E-4DA7-961E-18E5D911FA0C}" type="datetimeFigureOut">
               <a:rPr lang="es-MX" smtClean="0"/>
-              <a:t>26/05/2015</a:t>
+              <a:t>27/05/2015</a:t>
             </a:fld>
             <a:endParaRPr lang="es-MX"/>
           </a:p>
@@ -1798,7 +1798,7 @@
           <a:p>
             <a:fld id="{456B51EB-B35E-4DA7-961E-18E5D911FA0C}" type="datetimeFigureOut">
               <a:rPr lang="es-MX" smtClean="0"/>
-              <a:t>26/05/2015</a:t>
+              <a:t>27/05/2015</a:t>
             </a:fld>
             <a:endParaRPr lang="es-MX"/>
           </a:p>
@@ -1888,7 +1888,7 @@
           <a:p>
             <a:fld id="{456B51EB-B35E-4DA7-961E-18E5D911FA0C}" type="datetimeFigureOut">
               <a:rPr lang="es-MX" smtClean="0"/>
-              <a:t>26/05/2015</a:t>
+              <a:t>27/05/2015</a:t>
             </a:fld>
             <a:endParaRPr lang="es-MX"/>
           </a:p>
@@ -2146,7 +2146,7 @@
           <a:p>
             <a:fld id="{456B51EB-B35E-4DA7-961E-18E5D911FA0C}" type="datetimeFigureOut">
               <a:rPr lang="es-MX" smtClean="0"/>
-              <a:t>26/05/2015</a:t>
+              <a:t>27/05/2015</a:t>
             </a:fld>
             <a:endParaRPr lang="es-MX"/>
           </a:p>
@@ -2410,7 +2410,7 @@
           <a:p>
             <a:fld id="{456B51EB-B35E-4DA7-961E-18E5D911FA0C}" type="datetimeFigureOut">
               <a:rPr lang="es-MX" smtClean="0"/>
-              <a:t>26/05/2015</a:t>
+              <a:t>27/05/2015</a:t>
             </a:fld>
             <a:endParaRPr lang="es-MX"/>
           </a:p>
@@ -2627,7 +2627,7 @@
           <a:p>
             <a:fld id="{456B51EB-B35E-4DA7-961E-18E5D911FA0C}" type="datetimeFigureOut">
               <a:rPr lang="es-MX" smtClean="0"/>
-              <a:t>26/05/2015</a:t>
+              <a:t>27/05/2015</a:t>
             </a:fld>
             <a:endParaRPr lang="es-MX"/>
           </a:p>
@@ -4501,12 +4501,12 @@
         <p:spPr>
           <a:xfrm>
             <a:off x="457200" y="274638"/>
-            <a:ext cx="8229600" cy="2362274"/>
+            <a:ext cx="8229600" cy="4666530"/>
           </a:xfrm>
         </p:spPr>
         <p:txBody>
           <a:bodyPr>
-            <a:normAutofit fontScale="90000"/>
+            <a:normAutofit/>
           </a:bodyPr>
           <a:lstStyle/>
           <a:p>
@@ -4521,11 +4521,7 @@
             </a:r>
             <a:r>
               <a:rPr lang="es-MX" sz="2800" dirty="0" smtClean="0"/>
-              <a:t> los temas de tu presentación son muy interesantes, buen trabajo</a:t>
-            </a:r>
-            <a:r>
-              <a:rPr lang="es-MX" sz="2800" dirty="0" smtClean="0"/>
-              <a:t>.</a:t>
+              <a:t> los temas de tu presentación son muy interesantes, buen trabajo.</a:t>
             </a:r>
             <a:br>
               <a:rPr lang="es-MX" sz="2800" dirty="0" smtClean="0"/>
@@ -4543,31 +4539,45 @@
                   <a:srgbClr val="FF0000"/>
                 </a:solidFill>
               </a:rPr>
-              <a:t>Oscar</a:t>
-            </a:r>
+              <a:t>Oscar:</a:t>
+            </a:r>
+            <a:r>
+              <a:rPr lang="es-MX" sz="2800" dirty="0" smtClean="0"/>
+              <a:t> Muy buen tema compañeros.. </a:t>
+            </a:r>
+            <a:r>
+              <a:rPr lang="es-MX" sz="2800" dirty="0" err="1" smtClean="0"/>
+              <a:t>Adelante..les</a:t>
+            </a:r>
+            <a:r>
+              <a:rPr lang="es-MX" sz="2800" dirty="0" smtClean="0"/>
+              <a:t> recomiendo agregar algunas fotos.. </a:t>
+            </a:r>
+            <a:r>
+              <a:rPr lang="es-MX" sz="2800" dirty="0" smtClean="0"/>
+              <a:t>Saludos</a:t>
+            </a:r>
+            <a:br>
+              <a:rPr lang="es-MX" sz="2800" dirty="0" smtClean="0"/>
+            </a:br>
+            <a:r>
+              <a:rPr lang="es-MX" sz="2800" dirty="0"/>
+              <a:t/>
+            </a:r>
+            <a:br>
+              <a:rPr lang="es-MX" sz="2800" dirty="0"/>
+            </a:br>
             <a:r>
               <a:rPr lang="es-MX" sz="2800" dirty="0" smtClean="0">
                 <a:solidFill>
                   <a:srgbClr val="FF0000"/>
                 </a:solidFill>
               </a:rPr>
-              <a:t>:</a:t>
+              <a:t>Luis:</a:t>
             </a:r>
             <a:r>
               <a:rPr lang="es-MX" sz="2800" dirty="0" smtClean="0"/>
-              <a:t> Muy buen tema compañeros.. </a:t>
-            </a:r>
-            <a:r>
-              <a:rPr lang="es-MX" sz="2800" dirty="0" err="1" smtClean="0"/>
-              <a:t>Adelante..les</a:t>
-            </a:r>
-            <a:r>
-              <a:rPr lang="es-MX" sz="2800" dirty="0" smtClean="0"/>
-              <a:t> recomiendo agregar algunas fotos.. </a:t>
-            </a:r>
-            <a:r>
-              <a:rPr lang="es-MX" sz="2800" smtClean="0"/>
-              <a:t>Saludos</a:t>
+              <a:t> Faltan imágenes, pero todo bien.</a:t>
             </a:r>
             <a:r>
               <a:rPr lang="es-MX" sz="2800" dirty="0"/>

--- a/BlackBerry, SMS y 3G.pptx
+++ b/BlackBerry, SMS y 3G.pptx
@@ -237,7 +237,7 @@
           <a:p>
             <a:fld id="{456B51EB-B35E-4DA7-961E-18E5D911FA0C}" type="datetimeFigureOut">
               <a:rPr lang="es-MX" smtClean="0"/>
-              <a:t>26/05/2015</a:t>
+              <a:t>27/05/2015</a:t>
             </a:fld>
             <a:endParaRPr lang="es-MX"/>
           </a:p>
@@ -463,7 +463,7 @@
           <a:p>
             <a:fld id="{456B51EB-B35E-4DA7-961E-18E5D911FA0C}" type="datetimeFigureOut">
               <a:rPr lang="es-MX" smtClean="0"/>
-              <a:t>26/05/2015</a:t>
+              <a:t>27/05/2015</a:t>
             </a:fld>
             <a:endParaRPr lang="es-MX"/>
           </a:p>
@@ -638,7 +638,7 @@
           <a:p>
             <a:fld id="{456B51EB-B35E-4DA7-961E-18E5D911FA0C}" type="datetimeFigureOut">
               <a:rPr lang="es-MX" smtClean="0"/>
-              <a:t>26/05/2015</a:t>
+              <a:t>27/05/2015</a:t>
             </a:fld>
             <a:endParaRPr lang="es-MX"/>
           </a:p>
@@ -803,7 +803,7 @@
           <a:p>
             <a:fld id="{456B51EB-B35E-4DA7-961E-18E5D911FA0C}" type="datetimeFigureOut">
               <a:rPr lang="es-MX" smtClean="0"/>
-              <a:t>26/05/2015</a:t>
+              <a:t>27/05/2015</a:t>
             </a:fld>
             <a:endParaRPr lang="es-MX"/>
           </a:p>
@@ -1047,7 +1047,7 @@
           <a:p>
             <a:fld id="{456B51EB-B35E-4DA7-961E-18E5D911FA0C}" type="datetimeFigureOut">
               <a:rPr lang="es-MX" smtClean="0"/>
-              <a:t>26/05/2015</a:t>
+              <a:t>27/05/2015</a:t>
             </a:fld>
             <a:endParaRPr lang="es-MX"/>
           </a:p>
@@ -1311,7 +1311,7 @@
           <a:p>
             <a:fld id="{456B51EB-B35E-4DA7-961E-18E5D911FA0C}" type="datetimeFigureOut">
               <a:rPr lang="es-MX" smtClean="0"/>
-              <a:t>26/05/2015</a:t>
+              <a:t>27/05/2015</a:t>
             </a:fld>
             <a:endParaRPr lang="es-MX"/>
           </a:p>
@@ -1685,7 +1685,7 @@
           <a:p>
             <a:fld id="{456B51EB-B35E-4DA7-961E-18E5D911FA0C}" type="datetimeFigureOut">
               <a:rPr lang="es-MX" smtClean="0"/>
-              <a:t>26/05/2015</a:t>
+              <a:t>27/05/2015</a:t>
             </a:fld>
             <a:endParaRPr lang="es-MX"/>
           </a:p>
@@ -1798,7 +1798,7 @@
           <a:p>
             <a:fld id="{456B51EB-B35E-4DA7-961E-18E5D911FA0C}" type="datetimeFigureOut">
               <a:rPr lang="es-MX" smtClean="0"/>
-              <a:t>26/05/2015</a:t>
+              <a:t>27/05/2015</a:t>
             </a:fld>
             <a:endParaRPr lang="es-MX"/>
           </a:p>
@@ -1888,7 +1888,7 @@
           <a:p>
             <a:fld id="{456B51EB-B35E-4DA7-961E-18E5D911FA0C}" type="datetimeFigureOut">
               <a:rPr lang="es-MX" smtClean="0"/>
-              <a:t>26/05/2015</a:t>
+              <a:t>27/05/2015</a:t>
             </a:fld>
             <a:endParaRPr lang="es-MX"/>
           </a:p>
@@ -2146,7 +2146,7 @@
           <a:p>
             <a:fld id="{456B51EB-B35E-4DA7-961E-18E5D911FA0C}" type="datetimeFigureOut">
               <a:rPr lang="es-MX" smtClean="0"/>
-              <a:t>26/05/2015</a:t>
+              <a:t>27/05/2015</a:t>
             </a:fld>
             <a:endParaRPr lang="es-MX"/>
           </a:p>
@@ -2410,7 +2410,7 @@
           <a:p>
             <a:fld id="{456B51EB-B35E-4DA7-961E-18E5D911FA0C}" type="datetimeFigureOut">
               <a:rPr lang="es-MX" smtClean="0"/>
-              <a:t>26/05/2015</a:t>
+              <a:t>27/05/2015</a:t>
             </a:fld>
             <a:endParaRPr lang="es-MX"/>
           </a:p>
@@ -2627,7 +2627,7 @@
           <a:p>
             <a:fld id="{456B51EB-B35E-4DA7-961E-18E5D911FA0C}" type="datetimeFigureOut">
               <a:rPr lang="es-MX" smtClean="0"/>
-              <a:t>26/05/2015</a:t>
+              <a:t>27/05/2015</a:t>
             </a:fld>
             <a:endParaRPr lang="es-MX"/>
           </a:p>
@@ -4521,11 +4521,7 @@
             </a:r>
             <a:r>
               <a:rPr lang="es-MX" sz="2800" dirty="0" smtClean="0"/>
-              <a:t> los temas de tu presentación son muy interesantes, buen trabajo</a:t>
-            </a:r>
-            <a:r>
-              <a:rPr lang="es-MX" sz="2800" dirty="0" smtClean="0"/>
-              <a:t>.</a:t>
+              <a:t> los temas de tu presentación son muy interesantes, buen trabajo.</a:t>
             </a:r>
             <a:br>
               <a:rPr lang="es-MX" sz="2800" dirty="0" smtClean="0"/>
@@ -4543,15 +4539,7 @@
                   <a:srgbClr val="FF0000"/>
                 </a:solidFill>
               </a:rPr>
-              <a:t>Oscar</a:t>
-            </a:r>
-            <a:r>
-              <a:rPr lang="es-MX" sz="2800" dirty="0" smtClean="0">
-                <a:solidFill>
-                  <a:srgbClr val="FF0000"/>
-                </a:solidFill>
-              </a:rPr>
-              <a:t>:</a:t>
+              <a:t>Oscar:</a:t>
             </a:r>
             <a:r>
               <a:rPr lang="es-MX" sz="2800" dirty="0" smtClean="0"/>
@@ -4563,11 +4551,26 @@
             </a:r>
             <a:r>
               <a:rPr lang="es-MX" sz="2800" dirty="0" smtClean="0"/>
-              <a:t> recomiendo agregar algunas fotos.. </a:t>
+              <a:t> recomiendo agregar algunas fotos.. Saludos</a:t>
+            </a:r>
+            <a:br>
+              <a:rPr lang="es-MX" sz="2800" dirty="0" smtClean="0"/>
+            </a:br>
+            <a:r>
+              <a:rPr lang="es-MX" sz="2800" dirty="0" err="1" smtClean="0"/>
+              <a:t>jaimesiyo</a:t>
+            </a:r>
+            <a:r>
+              <a:rPr lang="es-MX" sz="2800" dirty="0" smtClean="0"/>
+              <a:t>; </a:t>
+            </a:r>
+            <a:r>
+              <a:rPr lang="es-MX" sz="2800"/>
+              <a:t>w</a:t>
             </a:r>
             <a:r>
               <a:rPr lang="es-MX" sz="2800" smtClean="0"/>
-              <a:t>Saludos</a:t>
+              <a:t>ow</a:t>
             </a:r>
             <a:r>
               <a:rPr lang="es-MX" sz="2800" dirty="0"/>

--- a/BlackBerry, SMS y 3G.pptx
+++ b/BlackBerry, SMS y 3G.pptx
@@ -123,6 +123,22 @@
       </a:defRPr>
     </a:lvl9pPr>
   </p:defaultTextStyle>
+  <p:extLst>
+    <p:ext uri="{EFAFB233-063F-42B5-8137-9DF3F51BA10A}">
+      <p15:sldGuideLst xmlns:p15="http://schemas.microsoft.com/office/powerpoint/2012/main">
+        <p15:guide id="1" orient="horz" pos="2160">
+          <p15:clr>
+            <a:srgbClr val="A4A3A4"/>
+          </p15:clr>
+        </p15:guide>
+        <p15:guide id="2" pos="2880">
+          <p15:clr>
+            <a:srgbClr val="A4A3A4"/>
+          </p15:clr>
+        </p15:guide>
+      </p15:sldGuideLst>
+    </p:ext>
+  </p:extLst>
 </p:presentation>
 </file>
 
@@ -4565,12 +4581,38 @@
               <a:t>; </a:t>
             </a:r>
             <a:r>
-              <a:rPr lang="es-MX" sz="2800"/>
-              <a:t>w</a:t>
+              <a:rPr lang="es-MX" sz="2800" dirty="0" err="1" smtClean="0"/>
+              <a:t>wow</a:t>
+            </a:r>
+            <a:r>
+              <a:rPr lang="es-MX" sz="2800" dirty="0" smtClean="0"/>
+              <a:t/>
+            </a:r>
+            <a:br>
+              <a:rPr lang="es-MX" sz="2800" dirty="0" smtClean="0"/>
+            </a:br>
+            <a:r>
+              <a:rPr lang="es-MX" sz="2800" dirty="0"/>
+              <a:t/>
+            </a:r>
+            <a:br>
+              <a:rPr lang="es-MX" sz="2800" dirty="0"/>
+            </a:br>
+            <a:r>
+              <a:rPr lang="es-MX" sz="2800" smtClean="0">
+                <a:solidFill>
+                  <a:srgbClr val="FF0000"/>
+                </a:solidFill>
+              </a:rPr>
+              <a:t>Javier Lizárraga:</a:t>
             </a:r>
             <a:r>
               <a:rPr lang="es-MX" sz="2800" smtClean="0"/>
-              <a:t>ow</a:t>
+              <a:t> </a:t>
+            </a:r>
+            <a:r>
+              <a:rPr lang="es-MX" sz="2800" dirty="0" smtClean="0"/>
+              <a:t>Interesante.</a:t>
             </a:r>
             <a:r>
               <a:rPr lang="es-MX" sz="2800" dirty="0"/>
@@ -4593,6 +4635,13 @@
   <p:clrMapOvr>
     <a:masterClrMapping/>
   </p:clrMapOvr>
+  <p:timing>
+    <p:tnLst>
+      <p:par>
+        <p:cTn id="1" dur="indefinite" restart="never" nodeType="tmRoot"/>
+      </p:par>
+    </p:tnLst>
+  </p:timing>
 </p:sld>
 </file>
 
